--- a/check_implementation_0.1.pptx
+++ b/check_implementation_0.1.pptx
@@ -16,6 +16,7 @@
     <p:sldId id="265" r:id="rId10"/>
     <p:sldId id="266" r:id="rId11"/>
     <p:sldId id="267" r:id="rId12"/>
+    <p:sldId id="268" r:id="rId13"/>
   </p:sldIdLst>
   <p:sldSz cx="9144000" cy="6858000" type="screen4x3"/>
   <p:notesSz cx="6858000" cy="9144000"/>
@@ -298,7 +299,7 @@
           <a:p>
             <a:fld id="{530820CF-B880-4189-942D-D702A7CBA730}" type="datetimeFigureOut">
               <a:rPr lang="zh-CN" altLang="en-US" smtClean="0"/>
-              <a:t>2013/8/24</a:t>
+              <a:t>13-8-24</a:t>
             </a:fld>
             <a:endParaRPr lang="zh-CN" altLang="en-US"/>
           </a:p>
@@ -463,7 +464,7 @@
           <a:p>
             <a:fld id="{530820CF-B880-4189-942D-D702A7CBA730}" type="datetimeFigureOut">
               <a:rPr lang="zh-CN" altLang="en-US" smtClean="0"/>
-              <a:t>2013/8/24</a:t>
+              <a:t>13-8-24</a:t>
             </a:fld>
             <a:endParaRPr lang="zh-CN" altLang="en-US"/>
           </a:p>
@@ -638,7 +639,7 @@
           <a:p>
             <a:fld id="{530820CF-B880-4189-942D-D702A7CBA730}" type="datetimeFigureOut">
               <a:rPr lang="zh-CN" altLang="en-US" smtClean="0"/>
-              <a:t>2013/8/24</a:t>
+              <a:t>13-8-24</a:t>
             </a:fld>
             <a:endParaRPr lang="zh-CN" altLang="en-US"/>
           </a:p>
@@ -803,7 +804,7 @@
           <a:p>
             <a:fld id="{530820CF-B880-4189-942D-D702A7CBA730}" type="datetimeFigureOut">
               <a:rPr lang="zh-CN" altLang="en-US" smtClean="0"/>
-              <a:t>2013/8/24</a:t>
+              <a:t>13-8-24</a:t>
             </a:fld>
             <a:endParaRPr lang="zh-CN" altLang="en-US"/>
           </a:p>
@@ -1044,7 +1045,7 @@
           <a:p>
             <a:fld id="{530820CF-B880-4189-942D-D702A7CBA730}" type="datetimeFigureOut">
               <a:rPr lang="zh-CN" altLang="en-US" smtClean="0"/>
-              <a:t>2013/8/24</a:t>
+              <a:t>13-8-24</a:t>
             </a:fld>
             <a:endParaRPr lang="zh-CN" altLang="en-US"/>
           </a:p>
@@ -1327,7 +1328,7 @@
           <a:p>
             <a:fld id="{530820CF-B880-4189-942D-D702A7CBA730}" type="datetimeFigureOut">
               <a:rPr lang="zh-CN" altLang="en-US" smtClean="0"/>
-              <a:t>2013/8/24</a:t>
+              <a:t>13-8-24</a:t>
             </a:fld>
             <a:endParaRPr lang="zh-CN" altLang="en-US"/>
           </a:p>
@@ -1744,7 +1745,7 @@
           <a:p>
             <a:fld id="{530820CF-B880-4189-942D-D702A7CBA730}" type="datetimeFigureOut">
               <a:rPr lang="zh-CN" altLang="en-US" smtClean="0"/>
-              <a:t>2013/8/24</a:t>
+              <a:t>13-8-24</a:t>
             </a:fld>
             <a:endParaRPr lang="zh-CN" altLang="en-US"/>
           </a:p>
@@ -1857,7 +1858,7 @@
           <a:p>
             <a:fld id="{530820CF-B880-4189-942D-D702A7CBA730}" type="datetimeFigureOut">
               <a:rPr lang="zh-CN" altLang="en-US" smtClean="0"/>
-              <a:t>2013/8/24</a:t>
+              <a:t>13-8-24</a:t>
             </a:fld>
             <a:endParaRPr lang="zh-CN" altLang="en-US"/>
           </a:p>
@@ -1947,7 +1948,7 @@
           <a:p>
             <a:fld id="{530820CF-B880-4189-942D-D702A7CBA730}" type="datetimeFigureOut">
               <a:rPr lang="zh-CN" altLang="en-US" smtClean="0"/>
-              <a:t>2013/8/24</a:t>
+              <a:t>13-8-24</a:t>
             </a:fld>
             <a:endParaRPr lang="zh-CN" altLang="en-US"/>
           </a:p>
@@ -2219,7 +2220,7 @@
           <a:p>
             <a:fld id="{530820CF-B880-4189-942D-D702A7CBA730}" type="datetimeFigureOut">
               <a:rPr lang="zh-CN" altLang="en-US" smtClean="0"/>
-              <a:t>2013/8/24</a:t>
+              <a:t>13-8-24</a:t>
             </a:fld>
             <a:endParaRPr lang="zh-CN" altLang="en-US"/>
           </a:p>
@@ -2467,7 +2468,7 @@
           <a:p>
             <a:fld id="{530820CF-B880-4189-942D-D702A7CBA730}" type="datetimeFigureOut">
               <a:rPr lang="zh-CN" altLang="en-US" smtClean="0"/>
-              <a:t>2013/8/24</a:t>
+              <a:t>13-8-24</a:t>
             </a:fld>
             <a:endParaRPr lang="zh-CN" altLang="en-US"/>
           </a:p>
@@ -2675,7 +2676,7 @@
           <a:p>
             <a:fld id="{530820CF-B880-4189-942D-D702A7CBA730}" type="datetimeFigureOut">
               <a:rPr lang="zh-CN" altLang="en-US" smtClean="0"/>
-              <a:t>2013/8/24</a:t>
+              <a:t>13-8-24</a:t>
             </a:fld>
             <a:endParaRPr lang="zh-CN" altLang="en-US"/>
           </a:p>
@@ -3079,14 +3080,14 @@
             <a:noFill/>
           </a:ln>
           <a:extLst>
-            <a:ext uri="{909E8E84-426E-40DD-AFC4-6F175D3DCCD1}">
+            <a:ext uri="{909E8E84-426E-40dd-AFC4-6F175D3DCCD1}">
               <a14:hiddenFill xmlns:a14="http://schemas.microsoft.com/office/drawing/2010/main">
                 <a:solidFill>
                   <a:schemeClr val="accent1"/>
                 </a:solidFill>
               </a14:hiddenFill>
             </a:ext>
-            <a:ext uri="{91240B29-F687-4F45-9708-019B960494DF}">
+            <a:ext uri="{91240B29-F687-4f45-9708-019B960494DF}">
               <a14:hiddenLine xmlns:a14="http://schemas.microsoft.com/office/drawing/2010/main" w="9525">
                 <a:solidFill>
                   <a:schemeClr val="tx1"/>
@@ -3130,7 +3131,7 @@
           </a:prstGeom>
           <a:noFill/>
           <a:extLst>
-            <a:ext uri="{909E8E84-426E-40DD-AFC4-6F175D3DCCD1}">
+            <a:ext uri="{909E8E84-426E-40dd-AFC4-6F175D3DCCD1}">
               <a14:hiddenFill xmlns:a14="http://schemas.microsoft.com/office/drawing/2010/main">
                 <a:solidFill>
                   <a:srgbClr val="FFFFFF"/>
@@ -3314,6 +3315,32 @@
           <a:p>
             <a:pPr algn="ctr"/>
             <a:endParaRPr lang="zh-CN" altLang="en-US"/>
+          </a:p>
+        </p:txBody>
+      </p:sp>
+      <p:sp>
+        <p:nvSpPr>
+          <p:cNvPr id="2" name="文本框 1"/>
+          <p:cNvSpPr txBox="1"/>
+          <p:nvPr/>
+        </p:nvSpPr>
+        <p:spPr>
+          <a:xfrm>
+            <a:off x="1208309" y="209593"/>
+            <a:ext cx="184666" cy="369332"/>
+          </a:xfrm>
+          <a:prstGeom prst="rect">
+            <a:avLst/>
+          </a:prstGeom>
+          <a:noFill/>
+        </p:spPr>
+        <p:txBody>
+          <a:bodyPr wrap="none" rtlCol="0">
+            <a:spAutoFit/>
+          </a:bodyPr>
+          <a:lstStyle/>
+          <a:p>
+            <a:endParaRPr kumimoji="1" lang="zh-CN" altLang="en-US" dirty="0"/>
           </a:p>
         </p:txBody>
       </p:sp>
@@ -3454,14 +3481,14 @@
             <a:noFill/>
           </a:ln>
           <a:extLst>
-            <a:ext uri="{909E8E84-426E-40DD-AFC4-6F175D3DCCD1}">
+            <a:ext uri="{909E8E84-426E-40dd-AFC4-6F175D3DCCD1}">
               <a14:hiddenFill xmlns:a14="http://schemas.microsoft.com/office/drawing/2010/main">
                 <a:solidFill>
                   <a:schemeClr val="accent1"/>
                 </a:solidFill>
               </a14:hiddenFill>
             </a:ext>
-            <a:ext uri="{91240B29-F687-4F45-9708-019B960494DF}">
+            <a:ext uri="{91240B29-F687-4f45-9708-019B960494DF}">
               <a14:hiddenLine xmlns:a14="http://schemas.microsoft.com/office/drawing/2010/main" w="9525">
                 <a:solidFill>
                   <a:schemeClr val="tx1"/>
@@ -3625,14 +3652,14 @@
             <a:noFill/>
           </a:ln>
           <a:extLst>
-            <a:ext uri="{909E8E84-426E-40DD-AFC4-6F175D3DCCD1}">
+            <a:ext uri="{909E8E84-426E-40dd-AFC4-6F175D3DCCD1}">
               <a14:hiddenFill xmlns:a14="http://schemas.microsoft.com/office/drawing/2010/main">
                 <a:solidFill>
                   <a:schemeClr val="accent1"/>
                 </a:solidFill>
               </a14:hiddenFill>
             </a:ext>
-            <a:ext uri="{91240B29-F687-4F45-9708-019B960494DF}">
+            <a:ext uri="{91240B29-F687-4f45-9708-019B960494DF}">
               <a14:hiddenLine xmlns:a14="http://schemas.microsoft.com/office/drawing/2010/main" w="9525">
                 <a:solidFill>
                   <a:schemeClr val="tx1"/>
@@ -3676,7 +3703,7 @@
           </a:prstGeom>
           <a:noFill/>
           <a:extLst>
-            <a:ext uri="{909E8E84-426E-40DD-AFC4-6F175D3DCCD1}">
+            <a:ext uri="{909E8E84-426E-40dd-AFC4-6F175D3DCCD1}">
               <a14:hiddenFill xmlns:a14="http://schemas.microsoft.com/office/drawing/2010/main">
                 <a:solidFill>
                   <a:srgbClr val="FFFFFF"/>
@@ -3690,6 +3717,128 @@
     <p:extLst>
       <p:ext uri="{BB962C8B-B14F-4D97-AF65-F5344CB8AC3E}">
         <p14:creationId xmlns:p14="http://schemas.microsoft.com/office/powerpoint/2010/main" val="3945426288"/>
+      </p:ext>
+    </p:extLst>
+  </p:cSld>
+  <p:clrMapOvr>
+    <a:masterClrMapping/>
+  </p:clrMapOvr>
+</p:sld>
+</file>
+
+<file path=ppt/slides/slide12.xml><?xml version="1.0" encoding="utf-8"?>
+<p:sld xmlns:a="http://schemas.openxmlformats.org/drawingml/2006/main" xmlns:r="http://schemas.openxmlformats.org/officeDocument/2006/relationships" xmlns:p="http://schemas.openxmlformats.org/presentationml/2006/main">
+  <p:cSld>
+    <p:spTree>
+      <p:nvGrpSpPr>
+        <p:cNvPr id="1" name=""/>
+        <p:cNvGrpSpPr/>
+        <p:nvPr/>
+      </p:nvGrpSpPr>
+      <p:grpSpPr>
+        <a:xfrm>
+          <a:off x="0" y="0"/>
+          <a:ext cx="0" cy="0"/>
+          <a:chOff x="0" y="0"/>
+          <a:chExt cx="0" cy="0"/>
+        </a:xfrm>
+      </p:grpSpPr>
+      <p:sp>
+        <p:nvSpPr>
+          <p:cNvPr id="2" name="标题 1"/>
+          <p:cNvSpPr>
+            <a:spLocks noGrp="1"/>
+          </p:cNvSpPr>
+          <p:nvPr>
+            <p:ph type="title"/>
+          </p:nvPr>
+        </p:nvSpPr>
+        <p:spPr/>
+        <p:txBody>
+          <a:bodyPr/>
+          <a:lstStyle/>
+          <a:p>
+            <a:endParaRPr kumimoji="1" lang="zh-CN" altLang="en-US"/>
+          </a:p>
+        </p:txBody>
+      </p:sp>
+      <p:sp>
+        <p:nvSpPr>
+          <p:cNvPr id="3" name="内容占位符 2"/>
+          <p:cNvSpPr>
+            <a:spLocks noGrp="1"/>
+          </p:cNvSpPr>
+          <p:nvPr>
+            <p:ph idx="1"/>
+          </p:nvPr>
+        </p:nvSpPr>
+        <p:spPr/>
+        <p:txBody>
+          <a:bodyPr>
+            <a:normAutofit fontScale="77500" lnSpcReduction="20000"/>
+          </a:bodyPr>
+          <a:lstStyle/>
+          <a:p>
+            <a:r>
+              <a:rPr kumimoji="1" lang="zh-CN" altLang="en-US" dirty="0"/>
+              <a:t>我来画两个图标，稍等发给你。</a:t>
+            </a:r>
+          </a:p>
+          <a:p>
+            <a:r>
+              <a:rPr kumimoji="1" lang="zh-CN" altLang="en-US" dirty="0"/>
+              <a:t>微博开发我之前注册了个账号：</a:t>
+            </a:r>
+            <a:r>
+              <a:rPr kumimoji="1" lang="en-US" altLang="zh-CN" dirty="0"/>
+              <a:t>zkyscraper@126.com 01201115 </a:t>
+            </a:r>
+            <a:r>
+              <a:rPr kumimoji="1" lang="zh-CN" altLang="en-US" dirty="0"/>
+              <a:t>可以用这个。</a:t>
+            </a:r>
+          </a:p>
+          <a:p>
+            <a:endParaRPr kumimoji="1" lang="zh-CN" altLang="en-US" dirty="0"/>
+          </a:p>
+          <a:p>
+            <a:r>
+              <a:rPr kumimoji="1" lang="zh-CN" altLang="en-US" dirty="0"/>
+              <a:t>微博不能发的问题会不会是只能用跟开发者</a:t>
+            </a:r>
+            <a:r>
+              <a:rPr kumimoji="1" lang="en-US" altLang="zh-CN" dirty="0" err="1"/>
+              <a:t>APPKey</a:t>
+            </a:r>
+            <a:r>
+              <a:rPr kumimoji="1" lang="zh-CN" altLang="en-US" dirty="0"/>
+              <a:t>一致的那个微博发，因为现在是未通过审核应用？不懂。。。</a:t>
+            </a:r>
+          </a:p>
+          <a:p>
+            <a:endParaRPr kumimoji="1" lang="zh-CN" altLang="en-US" dirty="0"/>
+          </a:p>
+          <a:p>
+            <a:r>
+              <a:rPr kumimoji="1" lang="zh-CN" altLang="en-US" dirty="0"/>
+              <a:t>那个框的意思是点了还能编辑，相当于“继续编辑”的图标。</a:t>
+            </a:r>
+          </a:p>
+          <a:p>
+            <a:endParaRPr kumimoji="1" lang="zh-CN" altLang="en-US" dirty="0"/>
+          </a:p>
+          <a:p>
+            <a:r>
+              <a:rPr kumimoji="1" lang="zh-CN" altLang="en-US"/>
+              <a:t>目前先把带星号的改了就好</a:t>
+            </a:r>
+          </a:p>
+        </p:txBody>
+      </p:sp>
+    </p:spTree>
+    <p:extLst>
+      <p:ext uri="{BB962C8B-B14F-4D97-AF65-F5344CB8AC3E}">
+        <p14:creationId xmlns:p14="http://schemas.microsoft.com/office/powerpoint/2010/main" val="1134479434"/>
       </p:ext>
     </p:extLst>
   </p:cSld>
@@ -4117,14 +4266,14 @@
             <a:noFill/>
           </a:ln>
           <a:extLst>
-            <a:ext uri="{909E8E84-426E-40DD-AFC4-6F175D3DCCD1}">
+            <a:ext uri="{909E8E84-426E-40dd-AFC4-6F175D3DCCD1}">
               <a14:hiddenFill xmlns:a14="http://schemas.microsoft.com/office/drawing/2010/main">
                 <a:solidFill>
                   <a:schemeClr val="accent1"/>
                 </a:solidFill>
               </a14:hiddenFill>
             </a:ext>
-            <a:ext uri="{91240B29-F687-4F45-9708-019B960494DF}">
+            <a:ext uri="{91240B29-F687-4f45-9708-019B960494DF}">
               <a14:hiddenLine xmlns:a14="http://schemas.microsoft.com/office/drawing/2010/main" w="9525">
                 <a:solidFill>
                   <a:schemeClr val="tx1"/>
@@ -4309,14 +4458,14 @@
             <a:noFill/>
           </a:ln>
           <a:extLst>
-            <a:ext uri="{909E8E84-426E-40DD-AFC4-6F175D3DCCD1}">
+            <a:ext uri="{909E8E84-426E-40dd-AFC4-6F175D3DCCD1}">
               <a14:hiddenFill xmlns:a14="http://schemas.microsoft.com/office/drawing/2010/main">
                 <a:solidFill>
                   <a:schemeClr val="accent1"/>
                 </a:solidFill>
               </a14:hiddenFill>
             </a:ext>
-            <a:ext uri="{91240B29-F687-4F45-9708-019B960494DF}">
+            <a:ext uri="{91240B29-F687-4f45-9708-019B960494DF}">
               <a14:hiddenLine xmlns:a14="http://schemas.microsoft.com/office/drawing/2010/main" w="9525">
                 <a:solidFill>
                   <a:schemeClr val="tx1"/>
@@ -4363,14 +4512,14 @@
             <a:noFill/>
           </a:ln>
           <a:extLst>
-            <a:ext uri="{909E8E84-426E-40DD-AFC4-6F175D3DCCD1}">
+            <a:ext uri="{909E8E84-426E-40dd-AFC4-6F175D3DCCD1}">
               <a14:hiddenFill xmlns:a14="http://schemas.microsoft.com/office/drawing/2010/main">
                 <a:solidFill>
                   <a:schemeClr val="accent1"/>
                 </a:solidFill>
               </a14:hiddenFill>
             </a:ext>
-            <a:ext uri="{91240B29-F687-4F45-9708-019B960494DF}">
+            <a:ext uri="{91240B29-F687-4f45-9708-019B960494DF}">
               <a14:hiddenLine xmlns:a14="http://schemas.microsoft.com/office/drawing/2010/main" w="9525">
                 <a:solidFill>
                   <a:schemeClr val="tx1"/>
@@ -4716,14 +4865,14 @@
             <a:noFill/>
           </a:ln>
           <a:extLst>
-            <a:ext uri="{909E8E84-426E-40DD-AFC4-6F175D3DCCD1}">
+            <a:ext uri="{909E8E84-426E-40dd-AFC4-6F175D3DCCD1}">
               <a14:hiddenFill xmlns:a14="http://schemas.microsoft.com/office/drawing/2010/main">
                 <a:solidFill>
                   <a:schemeClr val="accent1"/>
                 </a:solidFill>
               </a14:hiddenFill>
             </a:ext>
-            <a:ext uri="{91240B29-F687-4F45-9708-019B960494DF}">
+            <a:ext uri="{91240B29-F687-4f45-9708-019B960494DF}">
               <a14:hiddenLine xmlns:a14="http://schemas.microsoft.com/office/drawing/2010/main" w="9525">
                 <a:solidFill>
                   <a:schemeClr val="tx1"/>
@@ -5087,14 +5236,14 @@
             <a:noFill/>
           </a:ln>
           <a:extLst>
-            <a:ext uri="{909E8E84-426E-40DD-AFC4-6F175D3DCCD1}">
+            <a:ext uri="{909E8E84-426E-40dd-AFC4-6F175D3DCCD1}">
               <a14:hiddenFill xmlns:a14="http://schemas.microsoft.com/office/drawing/2010/main">
                 <a:solidFill>
                   <a:schemeClr val="accent1"/>
                 </a:solidFill>
               </a14:hiddenFill>
             </a:ext>
-            <a:ext uri="{91240B29-F687-4F45-9708-019B960494DF}">
+            <a:ext uri="{91240B29-F687-4f45-9708-019B960494DF}">
               <a14:hiddenLine xmlns:a14="http://schemas.microsoft.com/office/drawing/2010/main" w="9525">
                 <a:solidFill>
                   <a:schemeClr val="tx1"/>
@@ -5138,7 +5287,7 @@
           </a:prstGeom>
           <a:noFill/>
           <a:extLst>
-            <a:ext uri="{909E8E84-426E-40DD-AFC4-6F175D3DCCD1}">
+            <a:ext uri="{909E8E84-426E-40dd-AFC4-6F175D3DCCD1}">
               <a14:hiddenFill xmlns:a14="http://schemas.microsoft.com/office/drawing/2010/main">
                 <a:solidFill>
                   <a:srgbClr val="FFFFFF"/>
